--- a/Stickers/Stickers.pptx
+++ b/Stickers/Stickers.pptx
@@ -3371,6 +3371,48 @@
           <a:solidFill>
             <a:srgbClr val="DDDE00"/>
           </a:solidFill>
+          <a:ln>
+            <a:noFill/>
+          </a:ln>
+        </p:spPr>
+        <p:style>
+          <a:lnRef idx="1">
+            <a:schemeClr val="accent1"/>
+          </a:lnRef>
+          <a:fillRef idx="3">
+            <a:schemeClr val="accent1"/>
+          </a:fillRef>
+          <a:effectRef idx="2">
+            <a:schemeClr val="accent1"/>
+          </a:effectRef>
+          <a:fontRef idx="minor">
+            <a:schemeClr val="lt1"/>
+          </a:fontRef>
+        </p:style>
+        <p:txBody>
+          <a:bodyPr rtlCol="0" anchor="ctr"/>
+          <a:lstStyle/>
+          <a:p>
+            <a:pPr algn="ctr"/>
+            <a:endParaRPr lang="en-US"/>
+          </a:p>
+        </p:txBody>
+      </p:sp>
+      <p:sp>
+        <p:nvSpPr>
+          <p:cNvPr id="14" name="Rectangle 13"/>
+          <p:cNvSpPr/>
+          <p:nvPr/>
+        </p:nvSpPr>
+        <p:spPr>
+          <a:xfrm>
+            <a:off x="2794591" y="4223864"/>
+            <a:ext cx="2247900" cy="3810000"/>
+          </a:xfrm>
+          <a:prstGeom prst="rect">
+            <a:avLst/>
+          </a:prstGeom>
+          <a:noFill/>
           <a:ln>
             <a:noFill/>
           </a:ln>
